--- a/Summit-Pester.pptx
+++ b/Summit-Pester.pptx
@@ -14,8 +14,11 @@
     <p:sldId id="262" r:id="rId8"/>
     <p:sldId id="257" r:id="rId9"/>
     <p:sldId id="264" r:id="rId10"/>
-    <p:sldId id="266" r:id="rId11"/>
-    <p:sldId id="265" r:id="rId12"/>
+    <p:sldId id="267" r:id="rId11"/>
+    <p:sldId id="269" r:id="rId12"/>
+    <p:sldId id="268" r:id="rId13"/>
+    <p:sldId id="266" r:id="rId14"/>
+    <p:sldId id="265" r:id="rId15"/>
   </p:sldIdLst>
   <p:sldSz cx="12192000" cy="6858000"/>
   <p:notesSz cx="6858000" cy="9144000"/>
@@ -132,6 +135,9 @@
           <p14:sldIdLst>
             <p14:sldId id="257"/>
             <p14:sldId id="264"/>
+            <p14:sldId id="267"/>
+            <p14:sldId id="269"/>
+            <p14:sldId id="268"/>
             <p14:sldId id="266"/>
             <p14:sldId id="265"/>
           </p14:sldIdLst>
@@ -143,10 +149,6 @@
     </p:ext>
   </p:extLst>
 </p:presentation>
-</file>
-
-<file path=ppt/revisionInfo.xml><?xml version="1.0" encoding="utf-8"?>
-<p1510:revInfo xmlns:a="http://schemas.openxmlformats.org/drawingml/2006/main" xmlns:r="http://schemas.openxmlformats.org/officeDocument/2006/relationships" xmlns:p1510="http://schemas.microsoft.com/office/powerpoint/2015/10/main"/>
 </file>
 
 <file path=ppt/slideLayouts/slideLayout1.xml><?xml version="1.0" encoding="utf-8"?>
@@ -364,7 +366,7 @@
             <a:fld id="{B61BEF0D-F0BB-DE4B-95CE-6DB70DBA9567}" type="datetimeFigureOut">
               <a:rPr lang="en-US" smtClean="0"/>
               <a:pPr/>
-              <a:t>3/23/2018</a:t>
+              <a:t>3/26/2018</a:t>
             </a:fld>
             <a:endParaRPr lang="en-US" dirty="0"/>
           </a:p>
@@ -944,7 +946,7 @@
             <a:fld id="{B61BEF0D-F0BB-DE4B-95CE-6DB70DBA9567}" type="datetimeFigureOut">
               <a:rPr lang="en-US" smtClean="0"/>
               <a:pPr/>
-              <a:t>3/23/2018</a:t>
+              <a:t>3/26/2018</a:t>
             </a:fld>
             <a:endParaRPr lang="en-US" dirty="0"/>
           </a:p>
@@ -1186,7 +1188,7 @@
             <a:fld id="{B61BEF0D-F0BB-DE4B-95CE-6DB70DBA9567}" type="datetimeFigureOut">
               <a:rPr lang="en-US" smtClean="0"/>
               <a:pPr/>
-              <a:t>3/23/2018</a:t>
+              <a:t>3/26/2018</a:t>
             </a:fld>
             <a:endParaRPr lang="en-US" dirty="0"/>
           </a:p>
@@ -1442,7 +1444,7 @@
             <a:fld id="{B61BEF0D-F0BB-DE4B-95CE-6DB70DBA9567}" type="datetimeFigureOut">
               <a:rPr lang="en-US" smtClean="0"/>
               <a:pPr/>
-              <a:t>3/23/2018</a:t>
+              <a:t>3/26/2018</a:t>
             </a:fld>
             <a:endParaRPr lang="en-US" dirty="0"/>
           </a:p>
@@ -1803,7 +1805,7 @@
             <a:fld id="{B61BEF0D-F0BB-DE4B-95CE-6DB70DBA9567}" type="datetimeFigureOut">
               <a:rPr lang="en-US" smtClean="0"/>
               <a:pPr/>
-              <a:t>3/23/2018</a:t>
+              <a:t>3/26/2018</a:t>
             </a:fld>
             <a:endParaRPr lang="en-US" dirty="0"/>
           </a:p>
@@ -1917,7 +1919,7 @@
             <a:fld id="{B61BEF0D-F0BB-DE4B-95CE-6DB70DBA9567}" type="datetimeFigureOut">
               <a:rPr lang="en-US" smtClean="0"/>
               <a:pPr/>
-              <a:t>3/23/2018</a:t>
+              <a:t>3/26/2018</a:t>
             </a:fld>
             <a:endParaRPr lang="en-US" dirty="0"/>
           </a:p>
@@ -2009,7 +2011,7 @@
             <a:fld id="{B61BEF0D-F0BB-DE4B-95CE-6DB70DBA9567}" type="datetimeFigureOut">
               <a:rPr lang="en-US" smtClean="0"/>
               <a:pPr/>
-              <a:t>3/23/2018</a:t>
+              <a:t>3/26/2018</a:t>
             </a:fld>
             <a:endParaRPr lang="en-US" dirty="0"/>
           </a:p>
@@ -2281,7 +2283,7 @@
             <a:fld id="{B61BEF0D-F0BB-DE4B-95CE-6DB70DBA9567}" type="datetimeFigureOut">
               <a:rPr lang="en-US" smtClean="0"/>
               <a:pPr/>
-              <a:t>3/23/2018</a:t>
+              <a:t>3/26/2018</a:t>
             </a:fld>
             <a:endParaRPr lang="en-US" dirty="0"/>
           </a:p>
@@ -2530,7 +2532,7 @@
             <a:fld id="{B61BEF0D-F0BB-DE4B-95CE-6DB70DBA9567}" type="datetimeFigureOut">
               <a:rPr lang="en-US" smtClean="0"/>
               <a:pPr/>
-              <a:t>3/23/2018</a:t>
+              <a:t>3/26/2018</a:t>
             </a:fld>
             <a:endParaRPr lang="en-US" dirty="0"/>
           </a:p>
@@ -2738,7 +2740,7 @@
             <a:fld id="{B61BEF0D-F0BB-DE4B-95CE-6DB70DBA9567}" type="datetimeFigureOut">
               <a:rPr lang="en-US" smtClean="0"/>
               <a:pPr/>
-              <a:t>3/23/2018</a:t>
+              <a:t>3/26/2018</a:t>
             </a:fld>
             <a:endParaRPr lang="en-US" dirty="0"/>
           </a:p>
@@ -3261,6 +3263,748 @@
       </p:grpSpPr>
       <p:sp>
         <p:nvSpPr>
+          <p:cNvPr id="2" name="Title 1"/>
+          <p:cNvSpPr>
+            <a:spLocks noGrp="1"/>
+          </p:cNvSpPr>
+          <p:nvPr>
+            <p:ph type="title"/>
+          </p:nvPr>
+        </p:nvSpPr>
+        <p:spPr/>
+        <p:txBody>
+          <a:bodyPr/>
+          <a:lstStyle/>
+          <a:p>
+            <a:r>
+              <a:rPr lang="en-US" dirty="0"/>
+              <a:t>Why are you Pestering me?</a:t>
+            </a:r>
+          </a:p>
+        </p:txBody>
+      </p:sp>
+      <p:pic>
+        <p:nvPicPr>
+          <p:cNvPr id="5" name="Content Placeholder 4">
+            <a:extLst>
+              <a:ext uri="{FF2B5EF4-FFF2-40B4-BE49-F238E27FC236}">
+                <a16:creationId xmlns:a16="http://schemas.microsoft.com/office/drawing/2014/main" id="{AAE464E3-382F-479E-AA56-F57FCA28CB9E}"/>
+              </a:ext>
+            </a:extLst>
+          </p:cNvPr>
+          <p:cNvPicPr>
+            <a:picLocks noGrp="1" noChangeAspect="1"/>
+          </p:cNvPicPr>
+          <p:nvPr>
+            <p:ph idx="1"/>
+          </p:nvPr>
+        </p:nvPicPr>
+        <p:blipFill>
+          <a:blip r:embed="rId2"/>
+          <a:stretch>
+            <a:fillRect/>
+          </a:stretch>
+        </p:blipFill>
+        <p:spPr>
+          <a:xfrm>
+            <a:off x="4178275" y="1690688"/>
+            <a:ext cx="6859356" cy="4521576"/>
+          </a:xfrm>
+        </p:spPr>
+      </p:pic>
+    </p:spTree>
+    <p:extLst>
+      <p:ext uri="{BB962C8B-B14F-4D97-AF65-F5344CB8AC3E}">
+        <p14:creationId xmlns:p14="http://schemas.microsoft.com/office/powerpoint/2010/main" val="3041081814"/>
+      </p:ext>
+    </p:extLst>
+  </p:cSld>
+  <p:clrMapOvr>
+    <a:masterClrMapping/>
+  </p:clrMapOvr>
+  <p:timing>
+    <p:tnLst>
+      <p:par>
+        <p:cTn id="1" dur="indefinite" restart="never" nodeType="tmRoot">
+          <p:childTnLst>
+            <p:seq concurrent="1" nextAc="seek">
+              <p:cTn id="2" dur="indefinite" nodeType="mainSeq">
+                <p:childTnLst>
+                  <p:par>
+                    <p:cTn id="3" fill="hold">
+                      <p:stCondLst>
+                        <p:cond delay="indefinite"/>
+                      </p:stCondLst>
+                      <p:childTnLst>
+                        <p:par>
+                          <p:cTn id="4" fill="hold">
+                            <p:stCondLst>
+                              <p:cond delay="0"/>
+                            </p:stCondLst>
+                            <p:childTnLst>
+                              <p:par>
+                                <p:cTn id="5" presetID="2" presetClass="entr" presetSubtype="4" fill="hold" nodeType="clickEffect">
+                                  <p:stCondLst>
+                                    <p:cond delay="0"/>
+                                  </p:stCondLst>
+                                  <p:childTnLst>
+                                    <p:set>
+                                      <p:cBhvr>
+                                        <p:cTn id="6" dur="1" fill="hold">
+                                          <p:stCondLst>
+                                            <p:cond delay="0"/>
+                                          </p:stCondLst>
+                                        </p:cTn>
+                                        <p:tgtEl>
+                                          <p:spTgt spid="5"/>
+                                        </p:tgtEl>
+                                        <p:attrNameLst>
+                                          <p:attrName>style.visibility</p:attrName>
+                                        </p:attrNameLst>
+                                      </p:cBhvr>
+                                      <p:to>
+                                        <p:strVal val="visible"/>
+                                      </p:to>
+                                    </p:set>
+                                    <p:anim calcmode="lin" valueType="num">
+                                      <p:cBhvr additive="base">
+                                        <p:cTn id="7" dur="500" fill="hold"/>
+                                        <p:tgtEl>
+                                          <p:spTgt spid="5"/>
+                                        </p:tgtEl>
+                                        <p:attrNameLst>
+                                          <p:attrName>ppt_x</p:attrName>
+                                        </p:attrNameLst>
+                                      </p:cBhvr>
+                                      <p:tavLst>
+                                        <p:tav tm="0">
+                                          <p:val>
+                                            <p:strVal val="#ppt_x"/>
+                                          </p:val>
+                                        </p:tav>
+                                        <p:tav tm="100000">
+                                          <p:val>
+                                            <p:strVal val="#ppt_x"/>
+                                          </p:val>
+                                        </p:tav>
+                                      </p:tavLst>
+                                    </p:anim>
+                                    <p:anim calcmode="lin" valueType="num">
+                                      <p:cBhvr additive="base">
+                                        <p:cTn id="8" dur="500" fill="hold"/>
+                                        <p:tgtEl>
+                                          <p:spTgt spid="5"/>
+                                        </p:tgtEl>
+                                        <p:attrNameLst>
+                                          <p:attrName>ppt_y</p:attrName>
+                                        </p:attrNameLst>
+                                      </p:cBhvr>
+                                      <p:tavLst>
+                                        <p:tav tm="0">
+                                          <p:val>
+                                            <p:strVal val="1+#ppt_h/2"/>
+                                          </p:val>
+                                        </p:tav>
+                                        <p:tav tm="100000">
+                                          <p:val>
+                                            <p:strVal val="#ppt_y"/>
+                                          </p:val>
+                                        </p:tav>
+                                      </p:tavLst>
+                                    </p:anim>
+                                  </p:childTnLst>
+                                </p:cTn>
+                              </p:par>
+                            </p:childTnLst>
+                          </p:cTn>
+                        </p:par>
+                      </p:childTnLst>
+                    </p:cTn>
+                  </p:par>
+                </p:childTnLst>
+              </p:cTn>
+              <p:prevCondLst>
+                <p:cond evt="onPrev" delay="0">
+                  <p:tgtEl>
+                    <p:sldTgt/>
+                  </p:tgtEl>
+                </p:cond>
+              </p:prevCondLst>
+              <p:nextCondLst>
+                <p:cond evt="onNext" delay="0">
+                  <p:tgtEl>
+                    <p:sldTgt/>
+                  </p:tgtEl>
+                </p:cond>
+              </p:nextCondLst>
+            </p:seq>
+          </p:childTnLst>
+        </p:cTn>
+      </p:par>
+    </p:tnLst>
+  </p:timing>
+</p:sld>
+</file>
+
+<file path=ppt/slides/slide11.xml><?xml version="1.0" encoding="utf-8"?>
+<p:sld xmlns:a="http://schemas.openxmlformats.org/drawingml/2006/main" xmlns:r="http://schemas.openxmlformats.org/officeDocument/2006/relationships" xmlns:p="http://schemas.openxmlformats.org/presentationml/2006/main">
+  <p:cSld>
+    <p:spTree>
+      <p:nvGrpSpPr>
+        <p:cNvPr id="1" name=""/>
+        <p:cNvGrpSpPr/>
+        <p:nvPr/>
+      </p:nvGrpSpPr>
+      <p:grpSpPr>
+        <a:xfrm>
+          <a:off x="0" y="0"/>
+          <a:ext cx="0" cy="0"/>
+          <a:chOff x="0" y="0"/>
+          <a:chExt cx="0" cy="0"/>
+        </a:xfrm>
+      </p:grpSpPr>
+      <p:sp>
+        <p:nvSpPr>
+          <p:cNvPr id="2" name="Title 1">
+            <a:extLst>
+              <a:ext uri="{FF2B5EF4-FFF2-40B4-BE49-F238E27FC236}">
+                <a16:creationId xmlns:a16="http://schemas.microsoft.com/office/drawing/2014/main" id="{82D9476E-672B-4B56-8001-B563B1A35A78}"/>
+              </a:ext>
+            </a:extLst>
+          </p:cNvPr>
+          <p:cNvSpPr>
+            <a:spLocks noGrp="1"/>
+          </p:cNvSpPr>
+          <p:nvPr>
+            <p:ph type="title"/>
+          </p:nvPr>
+        </p:nvSpPr>
+        <p:spPr/>
+        <p:txBody>
+          <a:bodyPr/>
+          <a:lstStyle/>
+          <a:p>
+            <a:endParaRPr lang="en-US"/>
+          </a:p>
+        </p:txBody>
+      </p:sp>
+      <p:pic>
+        <p:nvPicPr>
+          <p:cNvPr id="5" name="Content Placeholder 4">
+            <a:extLst>
+              <a:ext uri="{FF2B5EF4-FFF2-40B4-BE49-F238E27FC236}">
+                <a16:creationId xmlns:a16="http://schemas.microsoft.com/office/drawing/2014/main" id="{4F1575DB-EF43-4CB9-8F97-D631749166C2}"/>
+              </a:ext>
+            </a:extLst>
+          </p:cNvPr>
+          <p:cNvPicPr>
+            <a:picLocks noGrp="1" noChangeAspect="1"/>
+          </p:cNvPicPr>
+          <p:nvPr>
+            <p:ph idx="1"/>
+          </p:nvPr>
+        </p:nvPicPr>
+        <p:blipFill>
+          <a:blip r:embed="rId2"/>
+          <a:stretch>
+            <a:fillRect/>
+          </a:stretch>
+        </p:blipFill>
+        <p:spPr>
+          <a:xfrm>
+            <a:off x="4335750" y="1690688"/>
+            <a:ext cx="6514501" cy="4885876"/>
+          </a:xfrm>
+        </p:spPr>
+      </p:pic>
+    </p:spTree>
+    <p:extLst>
+      <p:ext uri="{BB962C8B-B14F-4D97-AF65-F5344CB8AC3E}">
+        <p14:creationId xmlns:p14="http://schemas.microsoft.com/office/powerpoint/2010/main" val="1941123287"/>
+      </p:ext>
+    </p:extLst>
+  </p:cSld>
+  <p:clrMapOvr>
+    <a:masterClrMapping/>
+  </p:clrMapOvr>
+</p:sld>
+</file>
+
+<file path=ppt/slides/slide12.xml><?xml version="1.0" encoding="utf-8"?>
+<p:sld xmlns:a="http://schemas.openxmlformats.org/drawingml/2006/main" xmlns:r="http://schemas.openxmlformats.org/officeDocument/2006/relationships" xmlns:p="http://schemas.openxmlformats.org/presentationml/2006/main">
+  <p:cSld>
+    <p:spTree>
+      <p:nvGrpSpPr>
+        <p:cNvPr id="1" name=""/>
+        <p:cNvGrpSpPr/>
+        <p:nvPr/>
+      </p:nvGrpSpPr>
+      <p:grpSpPr>
+        <a:xfrm>
+          <a:off x="0" y="0"/>
+          <a:ext cx="0" cy="0"/>
+          <a:chOff x="0" y="0"/>
+          <a:chExt cx="0" cy="0"/>
+        </a:xfrm>
+      </p:grpSpPr>
+      <p:sp>
+        <p:nvSpPr>
+          <p:cNvPr id="2" name="Title 1">
+            <a:extLst>
+              <a:ext uri="{FF2B5EF4-FFF2-40B4-BE49-F238E27FC236}">
+                <a16:creationId xmlns:a16="http://schemas.microsoft.com/office/drawing/2014/main" id="{1B68EBB3-8512-40D4-88A8-1A38E36DF6C4}"/>
+              </a:ext>
+            </a:extLst>
+          </p:cNvPr>
+          <p:cNvSpPr>
+            <a:spLocks noGrp="1"/>
+          </p:cNvSpPr>
+          <p:nvPr>
+            <p:ph type="title"/>
+          </p:nvPr>
+        </p:nvSpPr>
+        <p:spPr/>
+        <p:txBody>
+          <a:bodyPr/>
+          <a:lstStyle/>
+          <a:p>
+            <a:r>
+              <a:rPr lang="en-US" dirty="0"/>
+              <a:t>Where do I start?(Things I learned)</a:t>
+            </a:r>
+          </a:p>
+        </p:txBody>
+      </p:sp>
+      <p:sp>
+        <p:nvSpPr>
+          <p:cNvPr id="3" name="Content Placeholder 2">
+            <a:extLst>
+              <a:ext uri="{FF2B5EF4-FFF2-40B4-BE49-F238E27FC236}">
+                <a16:creationId xmlns:a16="http://schemas.microsoft.com/office/drawing/2014/main" id="{A2A4F6B1-C340-4204-90FC-09A7B7D335CA}"/>
+              </a:ext>
+            </a:extLst>
+          </p:cNvPr>
+          <p:cNvSpPr>
+            <a:spLocks noGrp="1"/>
+          </p:cNvSpPr>
+          <p:nvPr>
+            <p:ph idx="1"/>
+          </p:nvPr>
+        </p:nvSpPr>
+        <p:spPr/>
+        <p:txBody>
+          <a:bodyPr/>
+          <a:lstStyle/>
+          <a:p>
+            <a:r>
+              <a:rPr lang="en-US" dirty="0"/>
+              <a:t>Smaller code = smaller tests</a:t>
+            </a:r>
+          </a:p>
+          <a:p>
+            <a:r>
+              <a:rPr lang="en-US" dirty="0"/>
+              <a:t>Start with what </a:t>
+            </a:r>
+            <a:r>
+              <a:rPr lang="en-US"/>
+              <a:t>you know</a:t>
+            </a:r>
+          </a:p>
+          <a:p>
+            <a:endParaRPr lang="en-US" dirty="0"/>
+          </a:p>
+        </p:txBody>
+      </p:sp>
+      <p:pic>
+        <p:nvPicPr>
+          <p:cNvPr id="5" name="Picture 4">
+            <a:extLst>
+              <a:ext uri="{FF2B5EF4-FFF2-40B4-BE49-F238E27FC236}">
+                <a16:creationId xmlns:a16="http://schemas.microsoft.com/office/drawing/2014/main" id="{1F7C9527-9F03-423C-B334-89349E58819D}"/>
+              </a:ext>
+            </a:extLst>
+          </p:cNvPr>
+          <p:cNvPicPr>
+            <a:picLocks noChangeAspect="1"/>
+          </p:cNvPicPr>
+          <p:nvPr/>
+        </p:nvPicPr>
+        <p:blipFill>
+          <a:blip r:embed="rId2"/>
+          <a:stretch>
+            <a:fillRect/>
+          </a:stretch>
+        </p:blipFill>
+        <p:spPr>
+          <a:xfrm>
+            <a:off x="6096000" y="2271860"/>
+            <a:ext cx="5436989" cy="3630236"/>
+          </a:xfrm>
+          <a:prstGeom prst="rect">
+            <a:avLst/>
+          </a:prstGeom>
+        </p:spPr>
+      </p:pic>
+    </p:spTree>
+    <p:extLst>
+      <p:ext uri="{BB962C8B-B14F-4D97-AF65-F5344CB8AC3E}">
+        <p14:creationId xmlns:p14="http://schemas.microsoft.com/office/powerpoint/2010/main" val="2764923350"/>
+      </p:ext>
+    </p:extLst>
+  </p:cSld>
+  <p:clrMapOvr>
+    <a:masterClrMapping/>
+  </p:clrMapOvr>
+  <p:timing>
+    <p:tnLst>
+      <p:par>
+        <p:cTn id="1" dur="indefinite" restart="never" nodeType="tmRoot">
+          <p:childTnLst>
+            <p:seq concurrent="1" nextAc="seek">
+              <p:cTn id="2" dur="indefinite" nodeType="mainSeq">
+                <p:childTnLst>
+                  <p:par>
+                    <p:cTn id="3" fill="hold">
+                      <p:stCondLst>
+                        <p:cond delay="indefinite"/>
+                      </p:stCondLst>
+                      <p:childTnLst>
+                        <p:par>
+                          <p:cTn id="4" fill="hold">
+                            <p:stCondLst>
+                              <p:cond delay="0"/>
+                            </p:stCondLst>
+                            <p:childTnLst>
+                              <p:par>
+                                <p:cTn id="5" presetID="2" presetClass="entr" presetSubtype="4" fill="hold" nodeType="clickEffect">
+                                  <p:stCondLst>
+                                    <p:cond delay="0"/>
+                                  </p:stCondLst>
+                                  <p:childTnLst>
+                                    <p:set>
+                                      <p:cBhvr>
+                                        <p:cTn id="6" dur="1" fill="hold">
+                                          <p:stCondLst>
+                                            <p:cond delay="0"/>
+                                          </p:stCondLst>
+                                        </p:cTn>
+                                        <p:tgtEl>
+                                          <p:spTgt spid="5"/>
+                                        </p:tgtEl>
+                                        <p:attrNameLst>
+                                          <p:attrName>style.visibility</p:attrName>
+                                        </p:attrNameLst>
+                                      </p:cBhvr>
+                                      <p:to>
+                                        <p:strVal val="visible"/>
+                                      </p:to>
+                                    </p:set>
+                                    <p:anim calcmode="lin" valueType="num">
+                                      <p:cBhvr additive="base">
+                                        <p:cTn id="7" dur="500" fill="hold"/>
+                                        <p:tgtEl>
+                                          <p:spTgt spid="5"/>
+                                        </p:tgtEl>
+                                        <p:attrNameLst>
+                                          <p:attrName>ppt_x</p:attrName>
+                                        </p:attrNameLst>
+                                      </p:cBhvr>
+                                      <p:tavLst>
+                                        <p:tav tm="0">
+                                          <p:val>
+                                            <p:strVal val="#ppt_x"/>
+                                          </p:val>
+                                        </p:tav>
+                                        <p:tav tm="100000">
+                                          <p:val>
+                                            <p:strVal val="#ppt_x"/>
+                                          </p:val>
+                                        </p:tav>
+                                      </p:tavLst>
+                                    </p:anim>
+                                    <p:anim calcmode="lin" valueType="num">
+                                      <p:cBhvr additive="base">
+                                        <p:cTn id="8" dur="500" fill="hold"/>
+                                        <p:tgtEl>
+                                          <p:spTgt spid="5"/>
+                                        </p:tgtEl>
+                                        <p:attrNameLst>
+                                          <p:attrName>ppt_y</p:attrName>
+                                        </p:attrNameLst>
+                                      </p:cBhvr>
+                                      <p:tavLst>
+                                        <p:tav tm="0">
+                                          <p:val>
+                                            <p:strVal val="1+#ppt_h/2"/>
+                                          </p:val>
+                                        </p:tav>
+                                        <p:tav tm="100000">
+                                          <p:val>
+                                            <p:strVal val="#ppt_y"/>
+                                          </p:val>
+                                        </p:tav>
+                                      </p:tavLst>
+                                    </p:anim>
+                                  </p:childTnLst>
+                                </p:cTn>
+                              </p:par>
+                            </p:childTnLst>
+                          </p:cTn>
+                        </p:par>
+                      </p:childTnLst>
+                    </p:cTn>
+                  </p:par>
+                  <p:par>
+                    <p:cTn id="9" fill="hold">
+                      <p:stCondLst>
+                        <p:cond delay="indefinite"/>
+                      </p:stCondLst>
+                      <p:childTnLst>
+                        <p:par>
+                          <p:cTn id="10" fill="hold">
+                            <p:stCondLst>
+                              <p:cond delay="0"/>
+                            </p:stCondLst>
+                            <p:childTnLst>
+                              <p:par>
+                                <p:cTn id="11" presetID="2" presetClass="entr" presetSubtype="4" fill="hold" nodeType="clickEffect">
+                                  <p:stCondLst>
+                                    <p:cond delay="0"/>
+                                  </p:stCondLst>
+                                  <p:childTnLst>
+                                    <p:set>
+                                      <p:cBhvr>
+                                        <p:cTn id="12" dur="1" fill="hold">
+                                          <p:stCondLst>
+                                            <p:cond delay="0"/>
+                                          </p:stCondLst>
+                                        </p:cTn>
+                                        <p:tgtEl>
+                                          <p:spTgt spid="3">
+                                            <p:txEl>
+                                              <p:pRg st="0" end="0"/>
+                                            </p:txEl>
+                                          </p:spTgt>
+                                        </p:tgtEl>
+                                        <p:attrNameLst>
+                                          <p:attrName>style.visibility</p:attrName>
+                                        </p:attrNameLst>
+                                      </p:cBhvr>
+                                      <p:to>
+                                        <p:strVal val="visible"/>
+                                      </p:to>
+                                    </p:set>
+                                    <p:anim calcmode="lin" valueType="num">
+                                      <p:cBhvr additive="base">
+                                        <p:cTn id="13" dur="500" fill="hold"/>
+                                        <p:tgtEl>
+                                          <p:spTgt spid="3">
+                                            <p:txEl>
+                                              <p:pRg st="0" end="0"/>
+                                            </p:txEl>
+                                          </p:spTgt>
+                                        </p:tgtEl>
+                                        <p:attrNameLst>
+                                          <p:attrName>ppt_x</p:attrName>
+                                        </p:attrNameLst>
+                                      </p:cBhvr>
+                                      <p:tavLst>
+                                        <p:tav tm="0">
+                                          <p:val>
+                                            <p:strVal val="#ppt_x"/>
+                                          </p:val>
+                                        </p:tav>
+                                        <p:tav tm="100000">
+                                          <p:val>
+                                            <p:strVal val="#ppt_x"/>
+                                          </p:val>
+                                        </p:tav>
+                                      </p:tavLst>
+                                    </p:anim>
+                                    <p:anim calcmode="lin" valueType="num">
+                                      <p:cBhvr additive="base">
+                                        <p:cTn id="14" dur="500" fill="hold"/>
+                                        <p:tgtEl>
+                                          <p:spTgt spid="3">
+                                            <p:txEl>
+                                              <p:pRg st="0" end="0"/>
+                                            </p:txEl>
+                                          </p:spTgt>
+                                        </p:tgtEl>
+                                        <p:attrNameLst>
+                                          <p:attrName>ppt_y</p:attrName>
+                                        </p:attrNameLst>
+                                      </p:cBhvr>
+                                      <p:tavLst>
+                                        <p:tav tm="0">
+                                          <p:val>
+                                            <p:strVal val="1+#ppt_h/2"/>
+                                          </p:val>
+                                        </p:tav>
+                                        <p:tav tm="100000">
+                                          <p:val>
+                                            <p:strVal val="#ppt_y"/>
+                                          </p:val>
+                                        </p:tav>
+                                      </p:tavLst>
+                                    </p:anim>
+                                  </p:childTnLst>
+                                </p:cTn>
+                              </p:par>
+                            </p:childTnLst>
+                          </p:cTn>
+                        </p:par>
+                      </p:childTnLst>
+                    </p:cTn>
+                  </p:par>
+                  <p:par>
+                    <p:cTn id="15" fill="hold">
+                      <p:stCondLst>
+                        <p:cond delay="indefinite"/>
+                      </p:stCondLst>
+                      <p:childTnLst>
+                        <p:par>
+                          <p:cTn id="16" fill="hold">
+                            <p:stCondLst>
+                              <p:cond delay="0"/>
+                            </p:stCondLst>
+                            <p:childTnLst>
+                              <p:par>
+                                <p:cTn id="17" presetID="2" presetClass="entr" presetSubtype="4" fill="hold" nodeType="clickEffect">
+                                  <p:stCondLst>
+                                    <p:cond delay="0"/>
+                                  </p:stCondLst>
+                                  <p:childTnLst>
+                                    <p:set>
+                                      <p:cBhvr>
+                                        <p:cTn id="18" dur="1" fill="hold">
+                                          <p:stCondLst>
+                                            <p:cond delay="0"/>
+                                          </p:stCondLst>
+                                        </p:cTn>
+                                        <p:tgtEl>
+                                          <p:spTgt spid="3">
+                                            <p:txEl>
+                                              <p:pRg st="1" end="1"/>
+                                            </p:txEl>
+                                          </p:spTgt>
+                                        </p:tgtEl>
+                                        <p:attrNameLst>
+                                          <p:attrName>style.visibility</p:attrName>
+                                        </p:attrNameLst>
+                                      </p:cBhvr>
+                                      <p:to>
+                                        <p:strVal val="visible"/>
+                                      </p:to>
+                                    </p:set>
+                                    <p:anim calcmode="lin" valueType="num">
+                                      <p:cBhvr additive="base">
+                                        <p:cTn id="19" dur="500" fill="hold"/>
+                                        <p:tgtEl>
+                                          <p:spTgt spid="3">
+                                            <p:txEl>
+                                              <p:pRg st="1" end="1"/>
+                                            </p:txEl>
+                                          </p:spTgt>
+                                        </p:tgtEl>
+                                        <p:attrNameLst>
+                                          <p:attrName>ppt_x</p:attrName>
+                                        </p:attrNameLst>
+                                      </p:cBhvr>
+                                      <p:tavLst>
+                                        <p:tav tm="0">
+                                          <p:val>
+                                            <p:strVal val="#ppt_x"/>
+                                          </p:val>
+                                        </p:tav>
+                                        <p:tav tm="100000">
+                                          <p:val>
+                                            <p:strVal val="#ppt_x"/>
+                                          </p:val>
+                                        </p:tav>
+                                      </p:tavLst>
+                                    </p:anim>
+                                    <p:anim calcmode="lin" valueType="num">
+                                      <p:cBhvr additive="base">
+                                        <p:cTn id="20" dur="500" fill="hold"/>
+                                        <p:tgtEl>
+                                          <p:spTgt spid="3">
+                                            <p:txEl>
+                                              <p:pRg st="1" end="1"/>
+                                            </p:txEl>
+                                          </p:spTgt>
+                                        </p:tgtEl>
+                                        <p:attrNameLst>
+                                          <p:attrName>ppt_y</p:attrName>
+                                        </p:attrNameLst>
+                                      </p:cBhvr>
+                                      <p:tavLst>
+                                        <p:tav tm="0">
+                                          <p:val>
+                                            <p:strVal val="1+#ppt_h/2"/>
+                                          </p:val>
+                                        </p:tav>
+                                        <p:tav tm="100000">
+                                          <p:val>
+                                            <p:strVal val="#ppt_y"/>
+                                          </p:val>
+                                        </p:tav>
+                                      </p:tavLst>
+                                    </p:anim>
+                                  </p:childTnLst>
+                                </p:cTn>
+                              </p:par>
+                            </p:childTnLst>
+                          </p:cTn>
+                        </p:par>
+                      </p:childTnLst>
+                    </p:cTn>
+                  </p:par>
+                </p:childTnLst>
+              </p:cTn>
+              <p:prevCondLst>
+                <p:cond evt="onPrev" delay="0">
+                  <p:tgtEl>
+                    <p:sldTgt/>
+                  </p:tgtEl>
+                </p:cond>
+              </p:prevCondLst>
+              <p:nextCondLst>
+                <p:cond evt="onNext" delay="0">
+                  <p:tgtEl>
+                    <p:sldTgt/>
+                  </p:tgtEl>
+                </p:cond>
+              </p:nextCondLst>
+            </p:seq>
+          </p:childTnLst>
+        </p:cTn>
+      </p:par>
+    </p:tnLst>
+  </p:timing>
+</p:sld>
+</file>
+
+<file path=ppt/slides/slide13.xml><?xml version="1.0" encoding="utf-8"?>
+<p:sld xmlns:a="http://schemas.openxmlformats.org/drawingml/2006/main" xmlns:r="http://schemas.openxmlformats.org/officeDocument/2006/relationships" xmlns:p="http://schemas.openxmlformats.org/presentationml/2006/main">
+  <p:cSld>
+    <p:spTree>
+      <p:nvGrpSpPr>
+        <p:cNvPr id="1" name=""/>
+        <p:cNvGrpSpPr/>
+        <p:nvPr/>
+      </p:nvGrpSpPr>
+      <p:grpSpPr>
+        <a:xfrm>
+          <a:off x="0" y="0"/>
+          <a:ext cx="0" cy="0"/>
+          <a:chOff x="0" y="0"/>
+          <a:chExt cx="0" cy="0"/>
+        </a:xfrm>
+      </p:grpSpPr>
+      <p:sp>
+        <p:nvSpPr>
           <p:cNvPr id="2" name="Content Placeholder 1"/>
           <p:cNvSpPr>
             <a:spLocks noGrp="1"/>
@@ -3291,7 +4035,7 @@
 </p:sld>
 </file>
 
-<file path=ppt/slides/slide11.xml><?xml version="1.0" encoding="utf-8"?>
+<file path=ppt/slides/slide14.xml><?xml version="1.0" encoding="utf-8"?>
 <p:sld xmlns:a="http://schemas.openxmlformats.org/drawingml/2006/main" xmlns:r="http://schemas.openxmlformats.org/officeDocument/2006/relationships" xmlns:p="http://schemas.openxmlformats.org/presentationml/2006/main">
   <p:cSld>
     <p:spTree>
@@ -4007,18 +4751,16 @@
           <a:p>
             <a:r>
               <a:rPr lang="en-US" dirty="0"/>
-              <a:t>Now what? (How do we apply this?)</a:t>
+              <a:t>Now what? (Let’s start to write some tests!)</a:t>
             </a:r>
           </a:p>
           <a:p>
             <a:r>
               <a:rPr lang="en-US" dirty="0"/>
-              <a:t>How </a:t>
-            </a:r>
-            <a:r>
-              <a:rPr lang="en-US"/>
-              <a:t>dare you Mock me!</a:t>
-            </a:r>
+              <a:t>How dare you Mock me!</a:t>
+            </a:r>
+          </a:p>
+          <a:p>
             <a:endParaRPr lang="en-US" dirty="0"/>
           </a:p>
         </p:txBody>
